--- a/doc/Lucene-core基础知识讲解.pptx
+++ b/doc/Lucene-core基础知识讲解.pptx
@@ -3722,7 +3722,11 @@
             </a:r>
             <a:r>
               <a:rPr lang="en-US" altLang="zh-CN" sz="1800"/>
-              <a:t>: </a:t>
+              <a:t>:   Index,Document,Field,Term</a:t>
+            </a:r>
+            <a:r>
+              <a:rPr lang="zh-CN" altLang="zh-CN" sz="1800"/>
+              <a:t>。</a:t>
             </a:r>
             <a:r>
               <a:rPr lang="zh-CN" altLang="en-US" sz="1800"/>
@@ -4726,7 +4730,7 @@
         </p:blipFill>
         <p:spPr>
           <a:xfrm>
-            <a:off x="7565390" y="4287520"/>
+            <a:off x="7885430" y="4758055"/>
             <a:ext cx="2295525" cy="1419225"/>
           </a:xfrm>
           <a:prstGeom prst="rect">

--- a/doc/Lucene-core基础知识讲解.pptx
+++ b/doc/Lucene-core基础知识讲解.pptx
@@ -4128,7 +4128,23 @@
           <a:p>
             <a:r>
               <a:rPr lang="zh-CN" altLang="en-US" sz="1600"/>
-              <a:t>域的项向量选项</a:t>
+              <a:t>域的项向量选项（位置</a:t>
+            </a:r>
+            <a:r>
+              <a:rPr lang="en-US" altLang="zh-CN" sz="1600"/>
+              <a:t>,</a:t>
+            </a:r>
+            <a:r>
+              <a:rPr lang="zh-CN" altLang="en-US" sz="1600"/>
+              <a:t>偏移</a:t>
+            </a:r>
+            <a:r>
+              <a:rPr lang="en-US" altLang="zh-CN" sz="1600"/>
+              <a:t>,</a:t>
+            </a:r>
+            <a:r>
+              <a:rPr lang="zh-CN" altLang="en-US" sz="1600"/>
+              <a:t>高亮显示时会用到）</a:t>
             </a:r>
             <a:endParaRPr lang="zh-CN" altLang="en-US" sz="1600"/>
           </a:p>
